--- a/Presentation/Fertility Rates in the US.pptx
+++ b/Presentation/Fertility Rates in the US.pptx
@@ -116,6 +116,11 @@
       </a:defRPr>
     </a:lvl9pPr>
   </p:defaultTextStyle>
+  <p:extLst>
+    <p:ext uri="{EFAFB233-063F-42B5-8137-9DF3F51BA10A}">
+      <p15:sldGuideLst xmlns:p15="http://schemas.microsoft.com/office/powerpoint/2012/main"/>
+    </p:ext>
+  </p:extLst>
 </p:presentation>
 </file>
 
@@ -4433,9 +4438,9 @@
   </dgm:ptLst>
   <dgm:cxnLst>
     <dgm:cxn modelId="{92739F20-DFD7-4DB0-9B76-29DFB3500FE5}" type="presOf" srcId="{0EF5A07B-03A9-4996-946E-995077FB42FF}" destId="{FBD19EB6-DC1C-4070-9351-5866BD78D04B}" srcOrd="0" destOrd="0" presId="urn:microsoft.com/office/officeart/2005/8/layout/hierarchy1"/>
+    <dgm:cxn modelId="{6D629857-37DE-4BB7-90D2-2C1FFD35B215}" srcId="{13848FDE-3F43-4D0E-B851-D875F20380E1}" destId="{3B42516B-06B7-493E-B816-C39880BCC957}" srcOrd="1" destOrd="0" parTransId="{C82DCB6D-188C-4794-BA5A-18843AEF62F1}" sibTransId="{195C7223-A731-4F0D-8792-606908A84E75}"/>
     <dgm:cxn modelId="{11C97170-4A17-47A8-BE08-E05830CB9B35}" type="presOf" srcId="{3B42516B-06B7-493E-B816-C39880BCC957}" destId="{FD62E95E-1FF1-46C7-B1BA-E31FAFEA57D3}" srcOrd="0" destOrd="0" presId="urn:microsoft.com/office/officeart/2005/8/layout/hierarchy1"/>
     <dgm:cxn modelId="{63D07970-1C20-4383-8974-D17D997B3085}" srcId="{13848FDE-3F43-4D0E-B851-D875F20380E1}" destId="{0EF5A07B-03A9-4996-946E-995077FB42FF}" srcOrd="0" destOrd="0" parTransId="{3DDB0234-4392-4D85-B707-627021C72204}" sibTransId="{BC0218D7-76C5-46EB-AEDC-A7DE8A0475B0}"/>
-    <dgm:cxn modelId="{6D629857-37DE-4BB7-90D2-2C1FFD35B215}" srcId="{13848FDE-3F43-4D0E-B851-D875F20380E1}" destId="{3B42516B-06B7-493E-B816-C39880BCC957}" srcOrd="1" destOrd="0" parTransId="{C82DCB6D-188C-4794-BA5A-18843AEF62F1}" sibTransId="{195C7223-A731-4F0D-8792-606908A84E75}"/>
     <dgm:cxn modelId="{989BC3E0-6F0D-47EC-9565-D2263B9BAC07}" type="presOf" srcId="{13848FDE-3F43-4D0E-B851-D875F20380E1}" destId="{7E27D882-B215-42C1-8D4F-A832C4A50885}" srcOrd="0" destOrd="0" presId="urn:microsoft.com/office/officeart/2005/8/layout/hierarchy1"/>
     <dgm:cxn modelId="{1598C42B-E960-42ED-9357-B0719FA2B55F}" type="presParOf" srcId="{7E27D882-B215-42C1-8D4F-A832C4A50885}" destId="{C9B28BD9-0227-4204-AFC5-808409FBC96E}" srcOrd="0" destOrd="0" presId="urn:microsoft.com/office/officeart/2005/8/layout/hierarchy1"/>
     <dgm:cxn modelId="{484C55A3-DA3D-4762-8D1D-7DF7FBFDFE59}" type="presParOf" srcId="{C9B28BD9-0227-4204-AFC5-808409FBC96E}" destId="{0BADF928-AB8C-4328-9DCC-57B6A70F3CC5}" srcOrd="0" destOrd="0" presId="urn:microsoft.com/office/officeart/2005/8/layout/hierarchy1"/>
@@ -12089,7 +12094,7 @@
           <a:p>
             <a:fld id="{C40AB5AD-6DCF-4A80-B336-2E9D34032BC3}" type="datetimeFigureOut">
               <a:rPr lang="en-US" smtClean="0"/>
-              <a:t>10/24/2020</a:t>
+              <a:t>10/28/20</a:t>
             </a:fld>
             <a:endParaRPr lang="en-US"/>
           </a:p>
@@ -12287,7 +12292,7 @@
           <a:p>
             <a:fld id="{C40AB5AD-6DCF-4A80-B336-2E9D34032BC3}" type="datetimeFigureOut">
               <a:rPr lang="en-US" smtClean="0"/>
-              <a:t>10/24/2020</a:t>
+              <a:t>10/28/20</a:t>
             </a:fld>
             <a:endParaRPr lang="en-US"/>
           </a:p>
@@ -12495,7 +12500,7 @@
           <a:p>
             <a:fld id="{C40AB5AD-6DCF-4A80-B336-2E9D34032BC3}" type="datetimeFigureOut">
               <a:rPr lang="en-US" smtClean="0"/>
-              <a:t>10/24/2020</a:t>
+              <a:t>10/28/20</a:t>
             </a:fld>
             <a:endParaRPr lang="en-US"/>
           </a:p>
@@ -12693,7 +12698,7 @@
           <a:p>
             <a:fld id="{C40AB5AD-6DCF-4A80-B336-2E9D34032BC3}" type="datetimeFigureOut">
               <a:rPr lang="en-US" smtClean="0"/>
-              <a:t>10/24/2020</a:t>
+              <a:t>10/28/20</a:t>
             </a:fld>
             <a:endParaRPr lang="en-US"/>
           </a:p>
@@ -12968,7 +12973,7 @@
           <a:p>
             <a:fld id="{C40AB5AD-6DCF-4A80-B336-2E9D34032BC3}" type="datetimeFigureOut">
               <a:rPr lang="en-US" smtClean="0"/>
-              <a:t>10/24/2020</a:t>
+              <a:t>10/28/20</a:t>
             </a:fld>
             <a:endParaRPr lang="en-US"/>
           </a:p>
@@ -13233,7 +13238,7 @@
           <a:p>
             <a:fld id="{C40AB5AD-6DCF-4A80-B336-2E9D34032BC3}" type="datetimeFigureOut">
               <a:rPr lang="en-US" smtClean="0"/>
-              <a:t>10/24/2020</a:t>
+              <a:t>10/28/20</a:t>
             </a:fld>
             <a:endParaRPr lang="en-US"/>
           </a:p>
@@ -13645,7 +13650,7 @@
           <a:p>
             <a:fld id="{C40AB5AD-6DCF-4A80-B336-2E9D34032BC3}" type="datetimeFigureOut">
               <a:rPr lang="en-US" smtClean="0"/>
-              <a:t>10/24/2020</a:t>
+              <a:t>10/28/20</a:t>
             </a:fld>
             <a:endParaRPr lang="en-US"/>
           </a:p>
@@ -13786,7 +13791,7 @@
           <a:p>
             <a:fld id="{C40AB5AD-6DCF-4A80-B336-2E9D34032BC3}" type="datetimeFigureOut">
               <a:rPr lang="en-US" smtClean="0"/>
-              <a:t>10/24/2020</a:t>
+              <a:t>10/28/20</a:t>
             </a:fld>
             <a:endParaRPr lang="en-US"/>
           </a:p>
@@ -13899,7 +13904,7 @@
           <a:p>
             <a:fld id="{C40AB5AD-6DCF-4A80-B336-2E9D34032BC3}" type="datetimeFigureOut">
               <a:rPr lang="en-US" smtClean="0"/>
-              <a:t>10/24/2020</a:t>
+              <a:t>10/28/20</a:t>
             </a:fld>
             <a:endParaRPr lang="en-US"/>
           </a:p>
@@ -14210,7 +14215,7 @@
           <a:p>
             <a:fld id="{C40AB5AD-6DCF-4A80-B336-2E9D34032BC3}" type="datetimeFigureOut">
               <a:rPr lang="en-US" smtClean="0"/>
-              <a:t>10/24/2020</a:t>
+              <a:t>10/28/20</a:t>
             </a:fld>
             <a:endParaRPr lang="en-US"/>
           </a:p>
@@ -14498,7 +14503,7 @@
           <a:p>
             <a:fld id="{C40AB5AD-6DCF-4A80-B336-2E9D34032BC3}" type="datetimeFigureOut">
               <a:rPr lang="en-US" smtClean="0"/>
-              <a:t>10/24/2020</a:t>
+              <a:t>10/28/20</a:t>
             </a:fld>
             <a:endParaRPr lang="en-US"/>
           </a:p>
@@ -14739,7 +14744,7 @@
           <a:p>
             <a:fld id="{C40AB5AD-6DCF-4A80-B336-2E9D34032BC3}" type="datetimeFigureOut">
               <a:rPr lang="en-US" smtClean="0"/>
-              <a:t>10/24/2020</a:t>
+              <a:t>10/28/20</a:t>
             </a:fld>
             <a:endParaRPr lang="en-US"/>
           </a:p>
@@ -16583,12 +16588,12 @@
           <a:lstStyle/>
           <a:p>
             <a:r>
-              <a:rPr lang="en-US">
+              <a:rPr lang="en-US" dirty="0">
                 <a:solidFill>
                   <a:srgbClr val="FFFFFF"/>
                 </a:solidFill>
               </a:rPr>
-              <a:t>Where is the data coming from…</a:t>
+              <a:t>Where Is The Data Coming From…</a:t>
             </a:r>
           </a:p>
         </p:txBody>
@@ -16958,12 +16963,12 @@
           <a:lstStyle/>
           <a:p>
             <a:r>
-              <a:rPr lang="en-US">
+              <a:rPr lang="en-US" dirty="0">
                 <a:solidFill>
                   <a:srgbClr val="FFFFFF"/>
                 </a:solidFill>
               </a:rPr>
-              <a:t>Challenges we face</a:t>
+              <a:t>Challenges We Faced</a:t>
             </a:r>
           </a:p>
         </p:txBody>
@@ -16997,40 +17002,33 @@
           <a:lstStyle/>
           <a:p>
             <a:r>
-              <a:rPr lang="en-US" sz="2200">
+              <a:rPr lang="en-US" sz="2200" dirty="0">
                 <a:solidFill>
                   <a:srgbClr val="000000"/>
                 </a:solidFill>
               </a:rPr>
-              <a:t>actual CSV files or Api’s from 1919 to present – most of the data was comingled and what appears to be incomplete</a:t>
+              <a:t>CSV files and API’s from 1919 to present –was complex and appeared to be incomplete</a:t>
             </a:r>
           </a:p>
           <a:p>
             <a:r>
-              <a:rPr lang="en-US" sz="2200">
+              <a:rPr lang="en-US" sz="2200" dirty="0">
                 <a:solidFill>
                   <a:srgbClr val="000000"/>
                 </a:solidFill>
               </a:rPr>
-              <a:t>Ethnicity – until 1986 Census were only conducted as white or black- this didn’t allow us to use this valuable information to reference ethnicity in the or to properly graph breakdown across ethnic classifications</a:t>
+              <a:t>Ethnicity – until 1986 the Census only tracked Black and White races. Therefore, data involving other ethnic groups were missing.</a:t>
             </a:r>
           </a:p>
           <a:p>
             <a:r>
-              <a:rPr lang="en-US" sz="2200">
+              <a:rPr lang="en-US" sz="2200" dirty="0">
                 <a:solidFill>
                   <a:srgbClr val="000000"/>
                 </a:solidFill>
               </a:rPr>
-              <a:t>Income Ranges – was very difficult as fertility studies were conducted on women within childbearing years of 15-45 from 1919 – present many women didn’t start working until during the wars also this didn’t take in to account of the income for married individuals</a:t>
+              <a:t>Income Ranges – Tracking the income of women was difficult since many were not working until the mid 1940’s.</a:t>
             </a:r>
-          </a:p>
-          <a:p>
-            <a:endParaRPr lang="en-US" sz="2200">
-              <a:solidFill>
-                <a:srgbClr val="000000"/>
-              </a:solidFill>
-            </a:endParaRPr>
           </a:p>
         </p:txBody>
       </p:sp>
@@ -17283,12 +17281,12 @@
           <a:lstStyle/>
           <a:p>
             <a:r>
-              <a:rPr lang="en-US">
+              <a:rPr lang="en-US" dirty="0">
                 <a:solidFill>
                   <a:srgbClr val="FFFFFF"/>
                 </a:solidFill>
               </a:rPr>
-              <a:t>Challenges continued….</a:t>
+              <a:t>Challenges Continued….</a:t>
             </a:r>
           </a:p>
         </p:txBody>
@@ -17322,33 +17320,16 @@
           <a:lstStyle/>
           <a:p>
             <a:r>
-              <a:rPr lang="en-US" sz="2400">
+              <a:rPr lang="en-US" sz="2400" dirty="0">
                 <a:solidFill>
                   <a:srgbClr val="000000"/>
                 </a:solidFill>
               </a:rPr>
-              <a:t>Demographic's such as location or states, this information made it almost impossible to link the data together. </a:t>
+              <a:t>Information regarding demographic's such as location or states, made it almost impossible to correlate and merge. Therefore we discarded the linkage between race and location.</a:t>
             </a:r>
           </a:p>
           <a:p>
-            <a:r>
-              <a:rPr lang="en-US" sz="2400">
-                <a:solidFill>
-                  <a:srgbClr val="000000"/>
-                </a:solidFill>
-              </a:rPr>
-              <a:t>in these challenges we decided to leave out the data focusing on Racial or Location based </a:t>
-            </a:r>
-          </a:p>
-          <a:p>
-            <a:endParaRPr lang="en-US" sz="2400">
-              <a:solidFill>
-                <a:srgbClr val="000000"/>
-              </a:solidFill>
-            </a:endParaRPr>
-          </a:p>
-          <a:p>
-            <a:endParaRPr lang="en-US" sz="2400">
+            <a:endParaRPr lang="en-US" sz="2400" dirty="0">
               <a:solidFill>
                 <a:srgbClr val="000000"/>
               </a:solidFill>
@@ -17610,7 +17591,7 @@
                   <a:srgbClr val="FFFFFF"/>
                 </a:solidFill>
               </a:rPr>
-              <a:t>Goals for this analysis</a:t>
+              <a:t>Goals For This Analysis</a:t>
             </a:r>
           </a:p>
         </p:txBody>
@@ -17649,7 +17630,7 @@
                   <a:srgbClr val="000000"/>
                 </a:solidFill>
               </a:rPr>
-              <a:t>To determine the fertility rates in the us and to better understand the determining factors to what rises the number and what lowers the numbers bases on:</a:t>
+              <a:t>To determine the fertility rates in the U.S. and to better understand the determining factors of the fluctuating data</a:t>
             </a:r>
           </a:p>
           <a:p>
@@ -17889,7 +17870,7 @@
                   <a:srgbClr val="FFFFFF"/>
                 </a:solidFill>
               </a:rPr>
-              <a:t>Living Arraignments</a:t>
+              <a:t>Living Arrangements</a:t>
             </a:r>
           </a:p>
         </p:txBody>
